--- a/Credit Card Fraud Analytics Dashboard/presentation/Credit_Card_Fraud_Analytics.pptx
+++ b/Credit Card Fraud Analytics Dashboard/presentation/Credit_Card_Fraud_Analytics.pptx
@@ -15779,18 +15779,20 @@
         </p:nvSpPr>
         <p:spPr/>
         <p:txBody>
-          <a:bodyPr/>
+          <a:bodyPr>
+            <a:normAutofit/>
+          </a:bodyPr>
           <a:lstStyle/>
           <a:p>
             <a:r>
-              <a:rPr lang="en-US" b="1" dirty="0" smtClean="0"/>
+              <a:rPr lang="en-US" sz="3200" b="1" dirty="0" smtClean="0"/>
               <a:t>About </a:t>
             </a:r>
             <a:r>
-              <a:rPr lang="en-US" b="1" dirty="0"/>
+              <a:rPr lang="en-US" sz="3200" b="1" dirty="0"/>
               <a:t>dataset (Contd.)</a:t>
             </a:r>
-            <a:endParaRPr lang="en-IN" b="1" dirty="0"/>
+            <a:endParaRPr lang="en-IN" sz="3200" b="1" dirty="0"/>
           </a:p>
         </p:txBody>
       </p:sp>
@@ -15803,7 +15805,7 @@
           <p:nvPr>
             <p:extLst>
               <p:ext uri="{D42A27DB-BD31-4B8C-83A1-F6EECF244321}">
-                <p14:modId xmlns:p14="http://schemas.microsoft.com/office/powerpoint/2010/main" val="273184986"/>
+                <p14:modId xmlns:p14="http://schemas.microsoft.com/office/powerpoint/2010/main" val="2219771887"/>
               </p:ext>
             </p:extLst>
           </p:nvPr>
@@ -15838,7 +15840,11 @@
                       </a:r>
                       <a:r>
                         <a:rPr lang="en-US" sz="2400" dirty="0" smtClean="0"/>
-                        <a:t>of variable</a:t>
+                        <a:t>of </a:t>
+                      </a:r>
+                      <a:r>
+                        <a:rPr lang="en-US" sz="2400" dirty="0" smtClean="0"/>
+                        <a:t>variables</a:t>
                       </a:r>
                       <a:endParaRPr lang="en-IN" sz="2400" dirty="0"/>
                     </a:p>
@@ -16462,11 +16468,7 @@
             </a:r>
             <a:r>
               <a:rPr lang="en-US" dirty="0" smtClean="0"/>
-              <a:t>goals of the user</a:t>
-            </a:r>
-            <a:r>
-              <a:rPr lang="en-US" dirty="0" smtClean="0"/>
-              <a:t>.</a:t>
+              <a:t>goals of the user.</a:t>
             </a:r>
           </a:p>
           <a:p>
@@ -16477,7 +16479,6 @@
               <a:rPr lang="en-US" dirty="0" smtClean="0"/>
               <a:t>4. Data cleaning activities</a:t>
             </a:r>
-            <a:endParaRPr lang="en-US" dirty="0" smtClean="0"/>
           </a:p>
           <a:p>
             <a:pPr marL="0" indent="0">
@@ -17481,14 +17482,14 @@
           <p:nvPr>
             <p:extLst>
               <p:ext uri="{D42A27DB-BD31-4B8C-83A1-F6EECF244321}">
-                <p14:modId xmlns:p14="http://schemas.microsoft.com/office/powerpoint/2010/main" val="3228255639"/>
+                <p14:modId xmlns:p14="http://schemas.microsoft.com/office/powerpoint/2010/main" val="2592364971"/>
               </p:ext>
             </p:extLst>
           </p:nvPr>
         </p:nvGraphicFramePr>
         <p:xfrm>
-          <a:off x="323527" y="1628800"/>
-          <a:ext cx="8496945" cy="5112567"/>
+          <a:off x="179512" y="1628800"/>
+          <a:ext cx="8784975" cy="5112567"/>
         </p:xfrm>
         <a:graphic>
           <a:graphicData uri="http://schemas.openxmlformats.org/drawingml/2006/table">
@@ -17497,9 +17498,9 @@
                 <a:tableStyleId>{5C22544A-7EE6-4342-B048-85BDC9FD1C3A}</a:tableStyleId>
               </a:tblPr>
               <a:tblGrid>
-                <a:gridCol w="1713670"/>
-                <a:gridCol w="2713310"/>
-                <a:gridCol w="4069965"/>
+                <a:gridCol w="1771760"/>
+                <a:gridCol w="2805286"/>
+                <a:gridCol w="4207929"/>
               </a:tblGrid>
               <a:tr h="730234">
                 <a:tc>
@@ -17508,10 +17509,10 @@
                     <a:lstStyle/>
                     <a:p>
                       <a:r>
-                        <a:rPr lang="en-US" sz="1600" baseline="0" dirty="0" smtClean="0"/>
+                        <a:rPr lang="en-US" sz="1600" b="1" baseline="0" dirty="0" smtClean="0"/>
                         <a:t>KPI/Measure</a:t>
                       </a:r>
-                      <a:endParaRPr lang="en-IN" sz="1600" baseline="0" dirty="0"/>
+                      <a:endParaRPr lang="en-IN" sz="1600" b="1" baseline="0" dirty="0"/>
                     </a:p>
                   </a:txBody>
                   <a:tcPr/>
@@ -17522,10 +17523,10 @@
                     <a:lstStyle/>
                     <a:p>
                       <a:r>
-                        <a:rPr lang="en-US" sz="1600" baseline="0" dirty="0" smtClean="0"/>
+                        <a:rPr lang="en-US" sz="1600" b="1" baseline="0" dirty="0" smtClean="0"/>
                         <a:t>Drill down dimensions</a:t>
                       </a:r>
-                      <a:endParaRPr lang="en-IN" sz="1600" baseline="0" dirty="0"/>
+                      <a:endParaRPr lang="en-IN" sz="1600" b="1" baseline="0" dirty="0"/>
                     </a:p>
                   </a:txBody>
                   <a:tcPr/>
@@ -17536,10 +17537,10 @@
                     <a:lstStyle/>
                     <a:p>
                       <a:r>
-                        <a:rPr lang="en-US" sz="1600" baseline="0" dirty="0" smtClean="0"/>
+                        <a:rPr lang="en-US" sz="1600" b="1" baseline="0" dirty="0" smtClean="0"/>
                         <a:t>Purpose</a:t>
                       </a:r>
-                      <a:endParaRPr lang="en-IN" sz="1600" baseline="0" dirty="0"/>
+                      <a:endParaRPr lang="en-IN" sz="1600" b="1" baseline="0" dirty="0"/>
                     </a:p>
                   </a:txBody>
                   <a:tcPr/>
@@ -17583,7 +17584,19 @@
                           <a:ea typeface="+mn-ea"/>
                           <a:cs typeface="+mn-cs"/>
                         </a:rPr>
-                        <a:t>Transaction type, Geographical location, Time period, Monetary Value</a:t>
+                        <a:t>Transaction type, Geographical location, Time period, Monetary </a:t>
+                      </a:r>
+                      <a:r>
+                        <a:rPr lang="en-US" sz="1600" b="0" i="0" kern="1200" baseline="0" dirty="0" smtClean="0">
+                          <a:solidFill>
+                            <a:schemeClr val="dk1"/>
+                          </a:solidFill>
+                          <a:effectLst/>
+                          <a:latin typeface="+mn-lt"/>
+                          <a:ea typeface="+mn-ea"/>
+                          <a:cs typeface="+mn-cs"/>
+                        </a:rPr>
+                        <a:t>value</a:t>
                       </a:r>
                       <a:endParaRPr lang="en-IN" sz="1600" baseline="0" dirty="0"/>
                     </a:p>
@@ -17629,7 +17642,31 @@
                           <a:ea typeface="+mn-ea"/>
                           <a:cs typeface="+mn-cs"/>
                         </a:rPr>
-                        <a:t>Number of Fraud Incidents</a:t>
+                        <a:t>Number of </a:t>
+                      </a:r>
+                      <a:r>
+                        <a:rPr lang="en-IN" sz="1600" b="0" i="0" kern="1200" baseline="0" dirty="0" smtClean="0">
+                          <a:solidFill>
+                            <a:schemeClr val="dk1"/>
+                          </a:solidFill>
+                          <a:effectLst/>
+                          <a:latin typeface="+mn-lt"/>
+                          <a:ea typeface="+mn-ea"/>
+                          <a:cs typeface="+mn-cs"/>
+                        </a:rPr>
+                        <a:t>Total </a:t>
+                      </a:r>
+                      <a:r>
+                        <a:rPr lang="en-IN" sz="1600" b="0" i="0" kern="1200" baseline="0" dirty="0" smtClean="0">
+                          <a:solidFill>
+                            <a:schemeClr val="dk1"/>
+                          </a:solidFill>
+                          <a:effectLst/>
+                          <a:latin typeface="+mn-lt"/>
+                          <a:ea typeface="+mn-ea"/>
+                          <a:cs typeface="+mn-cs"/>
+                        </a:rPr>
+                        <a:t>Incidents</a:t>
                       </a:r>
                       <a:endParaRPr lang="en-IN" sz="1600" baseline="0" dirty="0"/>
                     </a:p>
@@ -18423,7 +18460,15 @@
           <a:p>
             <a:r>
               <a:rPr lang="en-US" b="1" dirty="0" smtClean="0"/>
-              <a:t>This dataset is not indicative of real world as it does not have missing values, wrong data types, dates or outliers.</a:t>
+              <a:t>This dataset is not indicative of real world as it does not have missing values, wrong data types, </a:t>
+            </a:r>
+            <a:r>
+              <a:rPr lang="en-US" b="1" dirty="0" smtClean="0"/>
+              <a:t>unrealistic dates </a:t>
+            </a:r>
+            <a:r>
+              <a:rPr lang="en-US" b="1" dirty="0" smtClean="0"/>
+              <a:t>or outliers.</a:t>
             </a:r>
           </a:p>
           <a:p>
@@ -18437,13 +18482,8 @@
             </a:r>
             <a:r>
               <a:rPr lang="en-US" b="1" dirty="0" smtClean="0"/>
-              <a:t>No sampling is </a:t>
-            </a:r>
-            <a:r>
-              <a:rPr lang="en-US" b="1" dirty="0" smtClean="0"/>
-              <a:t>done on the dataset.</a:t>
-            </a:r>
-            <a:endParaRPr lang="en-US" b="1" dirty="0" smtClean="0"/>
+              <a:t>No sampling is done on the dataset.</a:t>
+            </a:r>
           </a:p>
           <a:p>
             <a:r>
@@ -18487,11 +18527,7 @@
             </a:r>
             <a:r>
               <a:rPr lang="en-US" sz="3200" b="1" dirty="0" smtClean="0"/>
-              <a:t>ata </a:t>
-            </a:r>
-            <a:r>
-              <a:rPr lang="en-US" sz="3200" b="1" dirty="0" smtClean="0"/>
-              <a:t>cleaning activities</a:t>
+              <a:t>ata cleaning activities</a:t>
             </a:r>
             <a:endParaRPr lang="en-IN" sz="3200" b="1" dirty="0"/>
           </a:p>
@@ -18686,11 +18722,7 @@
             </a:r>
             <a:r>
               <a:rPr lang="en-US" sz="3200" b="1" dirty="0" smtClean="0"/>
-              <a:t>ata </a:t>
-            </a:r>
-            <a:r>
-              <a:rPr lang="en-US" sz="3200" b="1" dirty="0" smtClean="0"/>
-              <a:t>cleaning activities</a:t>
+              <a:t>ata cleaning activities</a:t>
             </a:r>
             <a:endParaRPr lang="en-IN" sz="3200" b="1" dirty="0"/>
           </a:p>
@@ -18817,11 +18849,7 @@
             </a:r>
             <a:r>
               <a:rPr lang="en-US" sz="3200" b="1" dirty="0" smtClean="0"/>
-              <a:t>ata </a:t>
-            </a:r>
-            <a:r>
-              <a:rPr lang="en-US" sz="3200" b="1" dirty="0" smtClean="0"/>
-              <a:t>cleaning activities</a:t>
+              <a:t>ata cleaning activities</a:t>
             </a:r>
             <a:endParaRPr lang="en-IN" sz="3200" b="1" dirty="0"/>
           </a:p>
@@ -19599,10 +19627,10 @@
           <a:lstStyle/>
           <a:p>
             <a:r>
-              <a:rPr lang="en-US" sz="3200" dirty="0"/>
+              <a:rPr lang="en-US" sz="3200" b="1" dirty="0"/>
               <a:t>1. Are there certain regions more prone to fraud incidents than others?</a:t>
             </a:r>
-            <a:endParaRPr lang="en-IN" sz="3200" dirty="0"/>
+            <a:endParaRPr lang="en-IN" sz="3200" b="1" dirty="0"/>
           </a:p>
         </p:txBody>
       </p:sp>
@@ -21823,11 +21851,7 @@
           <a:p>
             <a:r>
               <a:rPr lang="en-US" sz="3200" b="1" dirty="0" smtClean="0"/>
-              <a:t>Further Scope (Al and ML </a:t>
-            </a:r>
-            <a:r>
-              <a:rPr lang="en-US" sz="3200" b="1" dirty="0" smtClean="0"/>
-              <a:t>integration – Contd.)</a:t>
+              <a:t>Further Scope (Al and ML integration – Contd.)</a:t>
             </a:r>
             <a:endParaRPr lang="en-IN" sz="3200" b="1" dirty="0"/>
           </a:p>
@@ -21940,11 +21964,7 @@
           <a:p>
             <a:r>
               <a:rPr lang="en-US" sz="3200" b="1" dirty="0" smtClean="0"/>
-              <a:t>Further Scope (Al and ML </a:t>
-            </a:r>
-            <a:r>
-              <a:rPr lang="en-US" sz="3200" b="1" dirty="0" smtClean="0"/>
-              <a:t>integration – Contd.)</a:t>
+              <a:t>Further Scope (Al and ML integration – Contd.)</a:t>
             </a:r>
             <a:endParaRPr lang="en-IN" sz="3200" b="1" dirty="0"/>
           </a:p>
@@ -22269,14 +22289,16 @@
         </p:nvSpPr>
         <p:spPr/>
         <p:txBody>
-          <a:bodyPr/>
+          <a:bodyPr>
+            <a:normAutofit/>
+          </a:bodyPr>
           <a:lstStyle/>
           <a:p>
             <a:r>
-              <a:rPr lang="en-US" b="1" dirty="0"/>
+              <a:rPr lang="en-US" sz="3200" b="1" dirty="0"/>
               <a:t>Problem Description (Contd.)</a:t>
             </a:r>
-            <a:endParaRPr lang="en-IN" b="1" dirty="0"/>
+            <a:endParaRPr lang="en-IN" sz="3200" b="1" dirty="0"/>
           </a:p>
         </p:txBody>
       </p:sp>
@@ -22368,14 +22390,16 @@
         </p:nvSpPr>
         <p:spPr/>
         <p:txBody>
-          <a:bodyPr/>
+          <a:bodyPr>
+            <a:normAutofit/>
+          </a:bodyPr>
           <a:lstStyle/>
           <a:p>
             <a:r>
-              <a:rPr lang="en-US" b="1" dirty="0"/>
+              <a:rPr lang="en-US" sz="3200" b="1" dirty="0"/>
               <a:t>Problem Description (Contd.)</a:t>
             </a:r>
-            <a:endParaRPr lang="en-IN" b="1" dirty="0"/>
+            <a:endParaRPr lang="en-IN" sz="3200" b="1" dirty="0"/>
           </a:p>
         </p:txBody>
       </p:sp>
@@ -22655,22 +22679,24 @@
         </p:nvSpPr>
         <p:spPr/>
         <p:txBody>
-          <a:bodyPr/>
+          <a:bodyPr>
+            <a:normAutofit/>
+          </a:bodyPr>
           <a:lstStyle/>
           <a:p>
             <a:r>
-              <a:rPr lang="en-US" b="1" dirty="0"/>
+              <a:rPr lang="en-US" sz="3200" b="1" dirty="0"/>
               <a:t>About </a:t>
             </a:r>
             <a:r>
-              <a:rPr lang="en-US" b="1" dirty="0" smtClean="0"/>
+              <a:rPr lang="en-US" sz="3200" b="1" dirty="0" smtClean="0"/>
               <a:t>dataset </a:t>
             </a:r>
             <a:r>
-              <a:rPr lang="en-US" b="1" dirty="0"/>
+              <a:rPr lang="en-US" sz="3200" b="1" dirty="0"/>
               <a:t>(Contd.)</a:t>
             </a:r>
-            <a:endParaRPr lang="en-IN" b="1" dirty="0"/>
+            <a:endParaRPr lang="en-IN" sz="3200" b="1" dirty="0"/>
           </a:p>
         </p:txBody>
       </p:sp>

--- a/Credit Card Fraud Analytics Dashboard/presentation/Credit_Card_Fraud_Analytics.pptx
+++ b/Credit Card Fraud Analytics Dashboard/presentation/Credit_Card_Fraud_Analytics.pptx
@@ -238,7 +238,7 @@
           <a:p>
             <a:fld id="{6678463E-508A-4D3F-B757-4685B89E77FA}" type="datetimeFigureOut">
               <a:rPr lang="en-IN" smtClean="0"/>
-              <a:t>11-09-2024</a:t>
+              <a:t>13-09-2024</a:t>
             </a:fld>
             <a:endParaRPr lang="en-IN"/>
           </a:p>
@@ -2403,7 +2403,7 @@
             <a:fld id="{E30E2307-1E40-4E12-8716-25BFDA8E7013}" type="datetime1">
               <a:rPr lang="en-US" smtClean="0"/>
               <a:pPr/>
-              <a:t>9/11/2024</a:t>
+              <a:t>9/13/2024</a:t>
             </a:fld>
             <a:endParaRPr lang="en-US"/>
           </a:p>
@@ -2586,7 +2586,7 @@
             <a:fld id="{E5CFCF5A-EA79-452C-A52C-1A2668C2E7DF}" type="datetime1">
               <a:rPr lang="en-US" smtClean="0"/>
               <a:pPr/>
-              <a:t>9/11/2024</a:t>
+              <a:t>9/13/2024</a:t>
             </a:fld>
             <a:endParaRPr lang="en-US"/>
           </a:p>
@@ -2739,7 +2739,7 @@
             <a:fld id="{2E5C4C28-BD4B-4892-9A2D-6E19BD753A9A}" type="datetime1">
               <a:rPr lang="en-US" smtClean="0"/>
               <a:pPr/>
-              <a:t>9/11/2024</a:t>
+              <a:t>9/13/2024</a:t>
             </a:fld>
             <a:endParaRPr lang="en-US"/>
           </a:p>
@@ -4567,7 +4567,7 @@
             <a:fld id="{61FD9D02-426E-46C9-9EE9-0DE1EF8B2838}" type="datetime1">
               <a:rPr lang="en-US" smtClean="0"/>
               <a:pPr/>
-              <a:t>9/11/2024</a:t>
+              <a:t>9/13/2024</a:t>
             </a:fld>
             <a:endParaRPr lang="en-US"/>
           </a:p>
@@ -6439,7 +6439,7 @@
             <a:fld id="{7B8AEBBE-F8B2-42CF-9895-E86A608384EB}" type="datetime1">
               <a:rPr lang="en-US" smtClean="0"/>
               <a:pPr/>
-              <a:t>9/11/2024</a:t>
+              <a:t>9/13/2024</a:t>
             </a:fld>
             <a:endParaRPr lang="en-US"/>
           </a:p>
@@ -6554,7 +6554,7 @@
             <a:fld id="{E1FAA6B6-10E5-4810-BC9F-DA72D8452E73}" type="datetime1">
               <a:rPr lang="en-US" smtClean="0"/>
               <a:pPr/>
-              <a:t>9/11/2024</a:t>
+              <a:t>9/13/2024</a:t>
             </a:fld>
             <a:endParaRPr lang="en-US"/>
           </a:p>
@@ -7097,7 +7097,7 @@
             <a:fld id="{6D18D072-EF12-4AA2-BD71-ABC68B06D0E2}" type="datetime1">
               <a:rPr lang="en-US" smtClean="0"/>
               <a:pPr/>
-              <a:t>9/11/2024</a:t>
+              <a:t>9/13/2024</a:t>
             </a:fld>
             <a:endParaRPr lang="en-US"/>
           </a:p>
@@ -7212,7 +7212,7 @@
             <a:fld id="{B8CDBF60-6CC3-4B74-A60D-3486985E4346}" type="datetime1">
               <a:rPr lang="en-US" smtClean="0"/>
               <a:pPr/>
-              <a:t>9/11/2024</a:t>
+              <a:t>9/13/2024</a:t>
             </a:fld>
             <a:endParaRPr lang="en-US"/>
           </a:p>
@@ -8925,7 +8925,7 @@
             <a:fld id="{22714818-984F-4759-BF72-A33BDC1963BD}" type="datetime1">
               <a:rPr lang="en-US" smtClean="0"/>
               <a:pPr/>
-              <a:t>9/11/2024</a:t>
+              <a:t>9/13/2024</a:t>
             </a:fld>
             <a:endParaRPr lang="en-US"/>
           </a:p>
@@ -9078,7 +9078,7 @@
             <a:fld id="{9EA7E191-5F94-4FC1-B823-BD7CABF7FA06}" type="datetime1">
               <a:rPr lang="en-US" smtClean="0"/>
               <a:pPr/>
-              <a:t>9/11/2024</a:t>
+              <a:t>9/13/2024</a:t>
             </a:fld>
             <a:endParaRPr lang="en-US"/>
           </a:p>
@@ -12695,7 +12695,7 @@
             <a:fld id="{88856D55-EFBE-4F9B-8A5F-09D42CA22A9B}" type="datetime1">
               <a:rPr lang="en-US" smtClean="0"/>
               <a:pPr/>
-              <a:t>9/11/2024</a:t>
+              <a:t>9/13/2024</a:t>
             </a:fld>
             <a:endParaRPr lang="en-US"/>
           </a:p>
@@ -14556,7 +14556,7 @@
             <a:fld id="{9D1D110F-3F4E-48D9-B8AA-5D0E825AFDBA}" type="datetime1">
               <a:rPr lang="en-US" smtClean="0"/>
               <a:pPr/>
-              <a:t>9/11/2024</a:t>
+              <a:t>9/13/2024</a:t>
             </a:fld>
             <a:endParaRPr lang="en-US"/>
           </a:p>
@@ -15086,7 +15086,7 @@
         </p:nvSpPr>
         <p:spPr>
           <a:xfrm>
-            <a:off x="683568" y="1340768"/>
+            <a:off x="683568" y="764704"/>
             <a:ext cx="7772400" cy="1780108"/>
           </a:xfrm>
         </p:spPr>
@@ -15116,13 +15116,13 @@
         </p:nvSpPr>
         <p:spPr>
           <a:xfrm>
-            <a:off x="1403648" y="3429000"/>
-            <a:ext cx="6400800" cy="1889223"/>
+            <a:off x="1403648" y="2564904"/>
+            <a:ext cx="6400800" cy="3456384"/>
           </a:xfrm>
         </p:spPr>
         <p:txBody>
           <a:bodyPr>
-            <a:normAutofit fontScale="92500" lnSpcReduction="10000"/>
+            <a:normAutofit fontScale="92500"/>
           </a:bodyPr>
           <a:lstStyle/>
           <a:p>
@@ -15194,6 +15194,31 @@
               </a:rPr>
               <a:t>github.com/sshah1982</a:t>
             </a:r>
+            <a:endParaRPr lang="en-IN" sz="2400" dirty="0" smtClean="0"/>
+          </a:p>
+          <a:p>
+            <a:r>
+              <a:rPr lang="en-US" sz="2400" b="1" dirty="0"/>
+              <a:t>Link: </a:t>
+            </a:r>
+            <a:r>
+              <a:rPr lang="en-US" sz="2400" dirty="0">
+                <a:hlinkClick r:id="rId5"/>
+              </a:rPr>
+              <a:t>https://</a:t>
+            </a:r>
+            <a:r>
+              <a:rPr lang="en-US" sz="2400" dirty="0" smtClean="0">
+                <a:hlinkClick r:id="rId5"/>
+              </a:rPr>
+              <a:t>public.tableau.com/app/profile/shirali.shah2788/viz/Credit_Card_Fraud_Analytics_Dashboard/Dashboard</a:t>
+            </a:r>
+            <a:endParaRPr lang="en-US" sz="2400" dirty="0" smtClean="0"/>
+          </a:p>
+          <a:p>
+            <a:endParaRPr lang="en-IN" sz="2400" dirty="0" smtClean="0"/>
+          </a:p>
+          <a:p>
             <a:endParaRPr lang="en-IN" sz="2400" dirty="0" smtClean="0"/>
           </a:p>
           <a:p>
@@ -15840,11 +15865,7 @@
                       </a:r>
                       <a:r>
                         <a:rPr lang="en-US" sz="2400" dirty="0" smtClean="0"/>
-                        <a:t>of </a:t>
-                      </a:r>
-                      <a:r>
-                        <a:rPr lang="en-US" sz="2400" dirty="0" smtClean="0"/>
-                        <a:t>variables</a:t>
+                        <a:t>of variables</a:t>
                       </a:r>
                       <a:endParaRPr lang="en-IN" sz="2400" dirty="0"/>
                     </a:p>
@@ -17584,19 +17605,7 @@
                           <a:ea typeface="+mn-ea"/>
                           <a:cs typeface="+mn-cs"/>
                         </a:rPr>
-                        <a:t>Transaction type, Geographical location, Time period, Monetary </a:t>
-                      </a:r>
-                      <a:r>
-                        <a:rPr lang="en-US" sz="1600" b="0" i="0" kern="1200" baseline="0" dirty="0" smtClean="0">
-                          <a:solidFill>
-                            <a:schemeClr val="dk1"/>
-                          </a:solidFill>
-                          <a:effectLst/>
-                          <a:latin typeface="+mn-lt"/>
-                          <a:ea typeface="+mn-ea"/>
-                          <a:cs typeface="+mn-cs"/>
-                        </a:rPr>
-                        <a:t>value</a:t>
+                        <a:t>Transaction type, Geographical location, Time period, Monetary value</a:t>
                       </a:r>
                       <a:endParaRPr lang="en-IN" sz="1600" baseline="0" dirty="0"/>
                     </a:p>
@@ -17642,31 +17651,7 @@
                           <a:ea typeface="+mn-ea"/>
                           <a:cs typeface="+mn-cs"/>
                         </a:rPr>
-                        <a:t>Number of </a:t>
-                      </a:r>
-                      <a:r>
-                        <a:rPr lang="en-IN" sz="1600" b="0" i="0" kern="1200" baseline="0" dirty="0" smtClean="0">
-                          <a:solidFill>
-                            <a:schemeClr val="dk1"/>
-                          </a:solidFill>
-                          <a:effectLst/>
-                          <a:latin typeface="+mn-lt"/>
-                          <a:ea typeface="+mn-ea"/>
-                          <a:cs typeface="+mn-cs"/>
-                        </a:rPr>
-                        <a:t>Total </a:t>
-                      </a:r>
-                      <a:r>
-                        <a:rPr lang="en-IN" sz="1600" b="0" i="0" kern="1200" baseline="0" dirty="0" smtClean="0">
-                          <a:solidFill>
-                            <a:schemeClr val="dk1"/>
-                          </a:solidFill>
-                          <a:effectLst/>
-                          <a:latin typeface="+mn-lt"/>
-                          <a:ea typeface="+mn-ea"/>
-                          <a:cs typeface="+mn-cs"/>
-                        </a:rPr>
-                        <a:t>Incidents</a:t>
+                        <a:t>Number of Total Incidents</a:t>
                       </a:r>
                       <a:endParaRPr lang="en-IN" sz="1600" baseline="0" dirty="0"/>
                     </a:p>
@@ -18460,15 +18445,7 @@
           <a:p>
             <a:r>
               <a:rPr lang="en-US" b="1" dirty="0" smtClean="0"/>
-              <a:t>This dataset is not indicative of real world as it does not have missing values, wrong data types, </a:t>
-            </a:r>
-            <a:r>
-              <a:rPr lang="en-US" b="1" dirty="0" smtClean="0"/>
-              <a:t>unrealistic dates </a:t>
-            </a:r>
-            <a:r>
-              <a:rPr lang="en-US" b="1" dirty="0" smtClean="0"/>
-              <a:t>or outliers.</a:t>
+              <a:t>This dataset is not indicative of real world as it does not have missing values, wrong data types, unrealistic dates or outliers.</a:t>
             </a:r>
           </a:p>
           <a:p>
@@ -22012,7 +21989,9 @@
         </p:nvSpPr>
         <p:spPr/>
         <p:txBody>
-          <a:bodyPr/>
+          <a:bodyPr>
+            <a:normAutofit fontScale="92500" lnSpcReduction="20000"/>
+          </a:bodyPr>
           <a:lstStyle/>
           <a:p>
             <a:pPr marL="0" indent="0" algn="ctr">
@@ -22086,8 +22065,46 @@
               <a:rPr lang="en-IN" dirty="0">
                 <a:hlinkClick r:id="rId4"/>
               </a:rPr>
-              <a:t>https://github.com/sshah1982</a:t>
-            </a:r>
+              <a:t>https://</a:t>
+            </a:r>
+            <a:r>
+              <a:rPr lang="en-IN" dirty="0" smtClean="0">
+                <a:hlinkClick r:id="rId4"/>
+              </a:rPr>
+              <a:t>github.com/sshah1982</a:t>
+            </a:r>
+            <a:endParaRPr lang="en-IN" dirty="0" smtClean="0"/>
+          </a:p>
+          <a:p>
+            <a:pPr marL="0" indent="0" algn="ctr">
+              <a:buNone/>
+            </a:pPr>
+            <a:r>
+              <a:rPr lang="en-US" b="1" dirty="0"/>
+              <a:t>Link:</a:t>
+            </a:r>
+            <a:r>
+              <a:rPr lang="en-US" dirty="0"/>
+              <a:t> </a:t>
+            </a:r>
+            <a:r>
+              <a:rPr lang="en-US" dirty="0">
+                <a:hlinkClick r:id="rId5"/>
+              </a:rPr>
+              <a:t>https://</a:t>
+            </a:r>
+            <a:r>
+              <a:rPr lang="en-US" dirty="0" smtClean="0">
+                <a:hlinkClick r:id="rId5"/>
+              </a:rPr>
+              <a:t>public.tableau.com/app/profile/shirali.shah2788/viz/Credit_Card_Fraud_Analytics_Dashboard/Dashboard</a:t>
+            </a:r>
+            <a:endParaRPr lang="en-US" dirty="0" smtClean="0"/>
+          </a:p>
+          <a:p>
+            <a:pPr marL="0" indent="0" algn="ctr">
+              <a:buNone/>
+            </a:pPr>
             <a:endParaRPr lang="en-IN" dirty="0"/>
           </a:p>
           <a:p>
